--- a/pre.pptx
+++ b/pre.pptx
@@ -6,11 +6,16 @@
   </p:sldMasterIdLst>
   <p:sldIdLst>
     <p:sldId id="256" r:id="rId2"/>
-    <p:sldId id="258" r:id="rId3"/>
-    <p:sldId id="257" r:id="rId4"/>
-    <p:sldId id="259" r:id="rId5"/>
-    <p:sldId id="260" r:id="rId6"/>
-    <p:sldId id="261" r:id="rId7"/>
+    <p:sldId id="264" r:id="rId3"/>
+    <p:sldId id="265" r:id="rId4"/>
+    <p:sldId id="266" r:id="rId5"/>
+    <p:sldId id="258" r:id="rId6"/>
+    <p:sldId id="257" r:id="rId7"/>
+    <p:sldId id="259" r:id="rId8"/>
+    <p:sldId id="260" r:id="rId9"/>
+    <p:sldId id="261" r:id="rId10"/>
+    <p:sldId id="263" r:id="rId11"/>
+    <p:sldId id="262" r:id="rId12"/>
   </p:sldIdLst>
   <p:sldSz cx="9144000" cy="6858000" type="screen4x3"/>
   <p:notesSz cx="6858000" cy="9144000"/>
@@ -3117,11 +3122,23 @@
           <a:p>
             <a:r>
               <a:rPr kumimoji="1" lang="en-US" altLang="zh-CN" dirty="0" smtClean="0"/>
-              <a:t>A</a:t>
-            </a:r>
-            <a:r>
-              <a:rPr kumimoji="1" lang="en-US" altLang="zh-CN" dirty="0" smtClean="0"/>
-              <a:t> experiment</a:t>
+              <a:t>TALE</a:t>
+            </a:r>
+            <a:r>
+              <a:rPr kumimoji="1" lang="zh-CN" altLang="en-US" dirty="0" smtClean="0"/>
+              <a:t> </a:t>
+            </a:r>
+            <a:r>
+              <a:rPr kumimoji="1" lang="en-US" altLang="zh-CN" dirty="0" smtClean="0"/>
+              <a:t>Sequence</a:t>
+            </a:r>
+            <a:r>
+              <a:rPr kumimoji="1" lang="zh-CN" altLang="en-US" dirty="0" smtClean="0"/>
+              <a:t> </a:t>
+            </a:r>
+            <a:r>
+              <a:rPr kumimoji="1" lang="en-US" altLang="zh-CN" dirty="0" smtClean="0"/>
+              <a:t>Optimization</a:t>
             </a:r>
             <a:endParaRPr kumimoji="1" lang="zh-CN" altLang="en-US" dirty="0"/>
           </a:p>
@@ -3142,7 +3159,7 @@
           <a:bodyPr/>
           <a:lstStyle/>
           <a:p>
-            <a:endParaRPr kumimoji="1" lang="zh-CN" altLang="en-US"/>
+            <a:endParaRPr kumimoji="1" lang="zh-CN" altLang="en-US" dirty="0"/>
           </a:p>
         </p:txBody>
       </p:sp>
@@ -3150,6 +3167,364 @@
     <p:extLst>
       <p:ext uri="{BB962C8B-B14F-4D97-AF65-F5344CB8AC3E}">
         <p14:creationId xmlns:p14="http://schemas.microsoft.com/office/powerpoint/2010/main" val="1775515463"/>
+      </p:ext>
+    </p:extLst>
+  </p:cSld>
+  <p:clrMapOvr>
+    <a:masterClrMapping/>
+  </p:clrMapOvr>
+  <p:timing>
+    <p:tnLst>
+      <p:par>
+        <p:cTn xmlns:p14="http://schemas.microsoft.com/office/powerpoint/2010/main" id="1" dur="indefinite" restart="never" nodeType="tmRoot"/>
+      </p:par>
+    </p:tnLst>
+  </p:timing>
+</p:sld>
+</file>
+
+<file path=ppt/slides/slide10.xml><?xml version="1.0" encoding="utf-8"?>
+<p:sld xmlns:a="http://schemas.openxmlformats.org/drawingml/2006/main" xmlns:r="http://schemas.openxmlformats.org/officeDocument/2006/relationships" xmlns:p="http://schemas.openxmlformats.org/presentationml/2006/main">
+  <p:cSld>
+    <p:spTree>
+      <p:nvGrpSpPr>
+        <p:cNvPr id="1" name=""/>
+        <p:cNvGrpSpPr/>
+        <p:nvPr/>
+      </p:nvGrpSpPr>
+      <p:grpSpPr>
+        <a:xfrm>
+          <a:off x="0" y="0"/>
+          <a:ext cx="0" cy="0"/>
+          <a:chOff x="0" y="0"/>
+          <a:chExt cx="0" cy="0"/>
+        </a:xfrm>
+      </p:grpSpPr>
+      <p:sp>
+        <p:nvSpPr>
+          <p:cNvPr id="2" name="标题 1"/>
+          <p:cNvSpPr>
+            <a:spLocks noGrp="1"/>
+          </p:cNvSpPr>
+          <p:nvPr>
+            <p:ph type="title"/>
+          </p:nvPr>
+        </p:nvSpPr>
+        <p:spPr/>
+        <p:txBody>
+          <a:bodyPr/>
+          <a:lstStyle/>
+          <a:p>
+            <a:r>
+              <a:rPr kumimoji="1" lang="en-US" altLang="zh-CN" dirty="0" smtClean="0"/>
+              <a:t>What</a:t>
+            </a:r>
+            <a:r>
+              <a:rPr kumimoji="1" lang="en-US" altLang="zh-CN" dirty="0" smtClean="0"/>
+              <a:t> to do next?</a:t>
+            </a:r>
+            <a:endParaRPr kumimoji="1" lang="zh-CN" altLang="en-US" dirty="0"/>
+          </a:p>
+        </p:txBody>
+      </p:sp>
+      <p:sp>
+        <p:nvSpPr>
+          <p:cNvPr id="3" name="内容占位符 2"/>
+          <p:cNvSpPr>
+            <a:spLocks noGrp="1"/>
+          </p:cNvSpPr>
+          <p:nvPr>
+            <p:ph idx="1"/>
+          </p:nvPr>
+        </p:nvSpPr>
+        <p:spPr>
+          <a:xfrm>
+            <a:off x="457200" y="1600201"/>
+            <a:ext cx="8229600" cy="4354672"/>
+          </a:xfrm>
+        </p:spPr>
+        <p:txBody>
+          <a:bodyPr/>
+          <a:lstStyle/>
+          <a:p>
+            <a:r>
+              <a:rPr kumimoji="1" lang="en-US" altLang="zh-CN" dirty="0" smtClean="0"/>
+              <a:t>Find</a:t>
+            </a:r>
+            <a:r>
+              <a:rPr kumimoji="1" lang="en-US" altLang="zh-CN" dirty="0" smtClean="0"/>
+              <a:t> a mechanism for</a:t>
+            </a:r>
+            <a:r>
+              <a:rPr kumimoji="1" lang="zh-CN" altLang="en-US" dirty="0" smtClean="0"/>
+              <a:t> 同源重组 </a:t>
+            </a:r>
+            <a:r>
+              <a:rPr kumimoji="1" lang="en-US" altLang="zh-CN" dirty="0" smtClean="0"/>
+              <a:t>and</a:t>
+            </a:r>
+            <a:r>
+              <a:rPr kumimoji="1" lang="zh-CN" altLang="en-US" dirty="0" smtClean="0"/>
+              <a:t> </a:t>
+            </a:r>
+            <a:r>
+              <a:rPr kumimoji="1" lang="en-US" altLang="zh-CN" dirty="0" smtClean="0"/>
+              <a:t>modify</a:t>
+            </a:r>
+            <a:r>
+              <a:rPr kumimoji="1" lang="zh-CN" altLang="en-US" dirty="0" smtClean="0"/>
+              <a:t> </a:t>
+            </a:r>
+            <a:r>
+              <a:rPr kumimoji="1" lang="en-US" altLang="zh-CN" dirty="0" smtClean="0"/>
+              <a:t>the</a:t>
+            </a:r>
+            <a:r>
+              <a:rPr kumimoji="1" lang="zh-CN" altLang="en-US" dirty="0" smtClean="0"/>
+              <a:t> </a:t>
+            </a:r>
+            <a:r>
+              <a:rPr kumimoji="1" lang="en-US" altLang="zh-CN" dirty="0" smtClean="0"/>
+              <a:t>objective</a:t>
+            </a:r>
+            <a:r>
+              <a:rPr kumimoji="1" lang="zh-CN" altLang="en-US" dirty="0" smtClean="0"/>
+              <a:t> </a:t>
+            </a:r>
+            <a:r>
+              <a:rPr kumimoji="1" lang="en-US" altLang="zh-CN" dirty="0" smtClean="0"/>
+              <a:t>function.</a:t>
+            </a:r>
+          </a:p>
+          <a:p>
+            <a:r>
+              <a:rPr kumimoji="1" lang="en-US" altLang="zh-CN" dirty="0" smtClean="0"/>
+              <a:t>Find</a:t>
+            </a:r>
+            <a:r>
+              <a:rPr kumimoji="1" lang="zh-CN" altLang="en-US" dirty="0" smtClean="0"/>
+              <a:t> </a:t>
+            </a:r>
+            <a:r>
+              <a:rPr kumimoji="1" lang="en-US" altLang="zh-CN" dirty="0" smtClean="0"/>
+              <a:t>a</a:t>
+            </a:r>
+            <a:r>
+              <a:rPr kumimoji="1" lang="zh-CN" altLang="en-US" dirty="0" smtClean="0"/>
+              <a:t> </a:t>
+            </a:r>
+            <a:r>
+              <a:rPr kumimoji="1" lang="en-US" altLang="zh-CN" dirty="0" smtClean="0"/>
+              <a:t>better</a:t>
+            </a:r>
+            <a:r>
+              <a:rPr kumimoji="1" lang="zh-CN" altLang="en-US" dirty="0" smtClean="0"/>
+              <a:t> </a:t>
+            </a:r>
+            <a:r>
+              <a:rPr kumimoji="1" lang="en-US" altLang="zh-CN" dirty="0" smtClean="0"/>
+              <a:t>genetic</a:t>
+            </a:r>
+            <a:r>
+              <a:rPr kumimoji="1" lang="zh-CN" altLang="en-US" dirty="0" smtClean="0"/>
+              <a:t> </a:t>
+            </a:r>
+            <a:r>
+              <a:rPr kumimoji="1" lang="en-US" altLang="zh-CN" dirty="0" smtClean="0"/>
+              <a:t>algorithm(SAGA?</a:t>
+            </a:r>
+            <a:r>
+              <a:rPr kumimoji="1" lang="zh-CN" altLang="en-US" dirty="0" smtClean="0"/>
+              <a:t> </a:t>
+            </a:r>
+            <a:r>
+              <a:rPr kumimoji="1" lang="en-US" altLang="zh-CN" dirty="0" smtClean="0"/>
+              <a:t>Particle</a:t>
+            </a:r>
+            <a:r>
+              <a:rPr kumimoji="1" lang="zh-CN" altLang="en-US" dirty="0" smtClean="0"/>
+              <a:t> </a:t>
+            </a:r>
+            <a:r>
+              <a:rPr kumimoji="1" lang="en-US" altLang="zh-CN" dirty="0" smtClean="0"/>
+              <a:t>Swarm?)</a:t>
+            </a:r>
+          </a:p>
+          <a:p>
+            <a:r>
+              <a:rPr kumimoji="1" lang="en-US" altLang="zh-CN" dirty="0" smtClean="0"/>
+              <a:t>A</a:t>
+            </a:r>
+            <a:r>
+              <a:rPr kumimoji="1" lang="zh-CN" altLang="en-US" dirty="0" smtClean="0"/>
+              <a:t> </a:t>
+            </a:r>
+            <a:r>
+              <a:rPr kumimoji="1" lang="en-US" altLang="zh-CN" dirty="0" smtClean="0"/>
+              <a:t>variable</a:t>
+            </a:r>
+            <a:r>
+              <a:rPr kumimoji="1" lang="zh-CN" altLang="en-US" dirty="0" smtClean="0"/>
+              <a:t> </a:t>
+            </a:r>
+            <a:r>
+              <a:rPr kumimoji="1" lang="en-US" altLang="zh-CN" dirty="0" smtClean="0"/>
+              <a:t>of</a:t>
+            </a:r>
+            <a:r>
+              <a:rPr kumimoji="1" lang="zh-CN" altLang="en-US" dirty="0" smtClean="0"/>
+              <a:t> </a:t>
+            </a:r>
+            <a:r>
+              <a:rPr kumimoji="1" lang="en-US" altLang="zh-CN" dirty="0" smtClean="0"/>
+              <a:t>crossover</a:t>
+            </a:r>
+            <a:r>
+              <a:rPr kumimoji="1" lang="zh-CN" altLang="en-US" dirty="0" smtClean="0"/>
+              <a:t> </a:t>
+            </a:r>
+            <a:r>
+              <a:rPr kumimoji="1" lang="en-US" altLang="zh-CN" dirty="0" smtClean="0"/>
+              <a:t>and</a:t>
+            </a:r>
+            <a:r>
+              <a:rPr kumimoji="1" lang="zh-CN" altLang="en-US" dirty="0" smtClean="0"/>
+              <a:t> </a:t>
+            </a:r>
+            <a:r>
+              <a:rPr kumimoji="1" lang="en-US" altLang="zh-CN" dirty="0" smtClean="0"/>
+              <a:t>mutation</a:t>
+            </a:r>
+            <a:r>
+              <a:rPr kumimoji="1" lang="zh-CN" altLang="en-US" dirty="0" smtClean="0"/>
+              <a:t> </a:t>
+            </a:r>
+            <a:r>
+              <a:rPr kumimoji="1" lang="en-US" altLang="zh-CN" dirty="0" smtClean="0"/>
+              <a:t>methods.</a:t>
+            </a:r>
+          </a:p>
+          <a:p>
+            <a:r>
+              <a:rPr kumimoji="1" lang="en-US" altLang="zh-CN" dirty="0" smtClean="0"/>
+              <a:t>…</a:t>
+            </a:r>
+          </a:p>
+        </p:txBody>
+      </p:sp>
+    </p:spTree>
+    <p:extLst>
+      <p:ext uri="{BB962C8B-B14F-4D97-AF65-F5344CB8AC3E}">
+        <p14:creationId xmlns:p14="http://schemas.microsoft.com/office/powerpoint/2010/main" val="2310704676"/>
+      </p:ext>
+    </p:extLst>
+  </p:cSld>
+  <p:clrMapOvr>
+    <a:masterClrMapping/>
+  </p:clrMapOvr>
+</p:sld>
+</file>
+
+<file path=ppt/slides/slide11.xml><?xml version="1.0" encoding="utf-8"?>
+<p:sld xmlns:a="http://schemas.openxmlformats.org/drawingml/2006/main" xmlns:r="http://schemas.openxmlformats.org/officeDocument/2006/relationships" xmlns:p="http://schemas.openxmlformats.org/presentationml/2006/main">
+  <p:cSld>
+    <p:spTree>
+      <p:nvGrpSpPr>
+        <p:cNvPr id="1" name=""/>
+        <p:cNvGrpSpPr/>
+        <p:nvPr/>
+      </p:nvGrpSpPr>
+      <p:grpSpPr>
+        <a:xfrm>
+          <a:off x="0" y="0"/>
+          <a:ext cx="0" cy="0"/>
+          <a:chOff x="0" y="0"/>
+          <a:chExt cx="0" cy="0"/>
+        </a:xfrm>
+      </p:grpSpPr>
+      <p:sp>
+        <p:nvSpPr>
+          <p:cNvPr id="2" name="标题 1"/>
+          <p:cNvSpPr>
+            <a:spLocks noGrp="1"/>
+          </p:cNvSpPr>
+          <p:nvPr>
+            <p:ph type="title"/>
+          </p:nvPr>
+        </p:nvSpPr>
+        <p:spPr>
+          <a:xfrm>
+            <a:off x="473694" y="2584006"/>
+            <a:ext cx="8229600" cy="1143000"/>
+          </a:xfrm>
+        </p:spPr>
+        <p:txBody>
+          <a:bodyPr/>
+          <a:lstStyle/>
+          <a:p>
+            <a:r>
+              <a:rPr kumimoji="1" lang="en-US" altLang="zh-CN" dirty="0" smtClean="0"/>
+              <a:t>Thank</a:t>
+            </a:r>
+            <a:r>
+              <a:rPr kumimoji="1" lang="en-US" altLang="zh-CN" dirty="0" smtClean="0"/>
+              <a:t> you!</a:t>
+            </a:r>
+            <a:endParaRPr kumimoji="1" lang="zh-CN" altLang="en-US" dirty="0"/>
+          </a:p>
+        </p:txBody>
+      </p:sp>
+      <p:sp>
+        <p:nvSpPr>
+          <p:cNvPr id="3" name="内容占位符 2"/>
+          <p:cNvSpPr>
+            <a:spLocks noGrp="1"/>
+          </p:cNvSpPr>
+          <p:nvPr>
+            <p:ph idx="1"/>
+          </p:nvPr>
+        </p:nvSpPr>
+        <p:spPr>
+          <a:xfrm>
+            <a:off x="473694" y="3992046"/>
+            <a:ext cx="8229600" cy="610196"/>
+          </a:xfrm>
+        </p:spPr>
+        <p:txBody>
+          <a:bodyPr/>
+          <a:lstStyle/>
+          <a:p>
+            <a:pPr marL="0" indent="0">
+              <a:buNone/>
+            </a:pPr>
+            <a:r>
+              <a:rPr kumimoji="1" lang="en-US" altLang="zh-CN" dirty="0" smtClean="0"/>
+              <a:t>Fork me on </a:t>
+            </a:r>
+            <a:r>
+              <a:rPr kumimoji="1" lang="en-US" altLang="zh-CN" dirty="0" err="1" smtClean="0"/>
+              <a:t>Github</a:t>
+            </a:r>
+            <a:r>
+              <a:rPr kumimoji="1" lang="en-US" altLang="zh-CN" dirty="0" smtClean="0"/>
+              <a:t>: http://</a:t>
+            </a:r>
+            <a:r>
+              <a:rPr kumimoji="1" lang="en-US" altLang="zh-CN" dirty="0" err="1" smtClean="0"/>
+              <a:t>github.com</a:t>
+            </a:r>
+            <a:r>
+              <a:rPr kumimoji="1" lang="en-US" altLang="zh-CN" dirty="0" smtClean="0"/>
+              <a:t>/Eureka22</a:t>
+            </a:r>
+            <a:endParaRPr kumimoji="1" lang="zh-CN" altLang="en-US" dirty="0"/>
+          </a:p>
+        </p:txBody>
+      </p:sp>
+    </p:spTree>
+    <p:extLst>
+      <p:ext uri="{BB962C8B-B14F-4D97-AF65-F5344CB8AC3E}">
+        <p14:creationId xmlns:p14="http://schemas.microsoft.com/office/powerpoint/2010/main" val="2077430346"/>
       </p:ext>
     </p:extLst>
   </p:cSld>
@@ -3200,6 +3575,718 @@
           <a:p>
             <a:r>
               <a:rPr kumimoji="1" lang="en-US" altLang="zh-CN" dirty="0" smtClean="0"/>
+              <a:t>DNA</a:t>
+            </a:r>
+            <a:r>
+              <a:rPr kumimoji="1" lang="zh-CN" altLang="en-US" dirty="0" smtClean="0"/>
+              <a:t> </a:t>
+            </a:r>
+            <a:r>
+              <a:rPr kumimoji="1" lang="en-US" altLang="zh-CN" dirty="0" smtClean="0"/>
+              <a:t>Sequence</a:t>
+            </a:r>
+            <a:endParaRPr kumimoji="1" lang="zh-CN" altLang="en-US" dirty="0"/>
+          </a:p>
+        </p:txBody>
+      </p:sp>
+      <p:sp>
+        <p:nvSpPr>
+          <p:cNvPr id="3" name="内容占位符 2"/>
+          <p:cNvSpPr>
+            <a:spLocks noGrp="1"/>
+          </p:cNvSpPr>
+          <p:nvPr>
+            <p:ph idx="1"/>
+          </p:nvPr>
+        </p:nvSpPr>
+        <p:spPr/>
+        <p:txBody>
+          <a:bodyPr>
+            <a:normAutofit fontScale="32500" lnSpcReduction="20000"/>
+          </a:bodyPr>
+          <a:lstStyle/>
+          <a:p>
+            <a:pPr marL="0" indent="0">
+              <a:buNone/>
+            </a:pPr>
+            <a:r>
+              <a:rPr kumimoji="1" lang="en-US" altLang="zh-CN" dirty="0" smtClean="0"/>
+              <a:t>CTATCGCCAGCAACATTGGCGGCAAGCAAGCGCTCGAAACGGTGCAGCGGCTGTTGCCGGTGCTGTGCCAGGACCATGGC</a:t>
+            </a:r>
+          </a:p>
+          <a:p>
+            <a:pPr marL="0" indent="0">
+              <a:buNone/>
+            </a:pPr>
+            <a:r>
+              <a:rPr kumimoji="1" lang="en-US" altLang="zh-CN" dirty="0" smtClean="0"/>
+              <a:t>CTGACTCCGGACCAAGTGGTGGCTATCGCCAGCCACGATGGCGGCAAGCAAGCGCTCGAAACGGTGCAGCGGCTGTTGCCGGTGCTGTGCCAGGACCATGGC</a:t>
+            </a:r>
+          </a:p>
+          <a:p>
+            <a:pPr marL="0" indent="0">
+              <a:buNone/>
+            </a:pPr>
+            <a:r>
+              <a:rPr kumimoji="1" lang="en-US" altLang="zh-CN" dirty="0" smtClean="0"/>
+              <a:t>CTGACTCCGGACCAAGTGGTGGCTATCGCCAGCCACGATGGCGGCAAGCAAGCGCTCGAAACGGTGCAGCGGCTGTTGCCGGTGCTGTGCCAGGACCATGGC</a:t>
+            </a:r>
+          </a:p>
+          <a:p>
+            <a:pPr marL="0" indent="0">
+              <a:buNone/>
+            </a:pPr>
+            <a:r>
+              <a:rPr kumimoji="1" lang="en-US" altLang="zh-CN" dirty="0" smtClean="0"/>
+              <a:t>CTGACCCCGGACCAAGTGGTGGCTATCGCCAGCAACGGTGGCGGCAAGCAAGCGCTCGAAACGGTGCAGCGGCTGTTGCCGGTGCTGTGCCAGGACCATGGC</a:t>
+            </a:r>
+          </a:p>
+          <a:p>
+            <a:pPr marL="0" indent="0">
+              <a:buNone/>
+            </a:pPr>
+            <a:r>
+              <a:rPr kumimoji="1" lang="en-US" altLang="zh-CN" dirty="0" smtClean="0"/>
+              <a:t>CTGACTCCGGACCAAGTGGTGGCTATCGCCAGCCACGATGGCGGCAAGCAAGCGCTCGAAACGGTGCAGCGGCTGTTGCCGGTGCTGTGCCAGGACCATGGC</a:t>
+            </a:r>
+          </a:p>
+          <a:p>
+            <a:pPr marL="0" indent="0">
+              <a:buNone/>
+            </a:pPr>
+            <a:r>
+              <a:rPr kumimoji="1" lang="en-US" altLang="zh-CN" dirty="0" smtClean="0"/>
+              <a:t>CTGACCCCGGACCAAGTGGTGGCTATCGCCAGCAACATTGGCGGCAAGCAAGCGCTCGAAACGGTGCAGCGGCTGTTGCCGGTGCTGTGCCAGGACCATGGC</a:t>
+            </a:r>
+          </a:p>
+          <a:p>
+            <a:pPr marL="0" indent="0">
+              <a:buNone/>
+            </a:pPr>
+            <a:r>
+              <a:rPr kumimoji="1" lang="en-US" altLang="zh-CN" dirty="0" smtClean="0"/>
+              <a:t>CTGACCCCGGACCAAGTGGTGGCTATCGCCAGCAACGGTGGCGGCAAGCAAGCGCTCGAAACGGTGCAGCGGCTGTTGCCGGTGCTGTGCCAGGACCATGGC</a:t>
+            </a:r>
+          </a:p>
+          <a:p>
+            <a:pPr marL="0" indent="0">
+              <a:buNone/>
+            </a:pPr>
+            <a:r>
+              <a:rPr kumimoji="1" lang="en-US" altLang="zh-CN" dirty="0" smtClean="0"/>
+              <a:t>CTGACTCCGGACCAAGTGGTGGCTATCGCCAGCCACGATGGCGGCAAGCAAGCGCTCGAAACGGTGCAGCGGCTGTTGCCGGTGCTGTGCCAGGACCATGGC</a:t>
+            </a:r>
+          </a:p>
+          <a:p>
+            <a:pPr marL="0" indent="0">
+              <a:buNone/>
+            </a:pPr>
+            <a:r>
+              <a:rPr kumimoji="1" lang="en-US" altLang="zh-CN" dirty="0" smtClean="0"/>
+              <a:t>CTGACCCCGGACCAAGTGGTGGCTATCGCCAGCAACATTGGCGGCAAGCAAGCGCTCGAAACGGTGCAGCGGCTGTTGCCGGTGCTGTGCCAGGACCATGGC</a:t>
+            </a:r>
+          </a:p>
+          <a:p>
+            <a:pPr marL="0" indent="0">
+              <a:buNone/>
+            </a:pPr>
+            <a:r>
+              <a:rPr kumimoji="1" lang="en-US" altLang="zh-CN" dirty="0" smtClean="0"/>
+              <a:t>CTGACCCCGGACCAAGTGGTGGCTATCGCCAGCAACAATGGCGGCAAGCAAGCGCTCGAAACGGTGCAGCGGCTGTTGCCGGTGCTGTGCCAGGACCATGGC</a:t>
+            </a:r>
+          </a:p>
+          <a:p>
+            <a:pPr marL="0" indent="0">
+              <a:buNone/>
+            </a:pPr>
+            <a:r>
+              <a:rPr kumimoji="1" lang="en-US" altLang="zh-CN" dirty="0" smtClean="0"/>
+              <a:t>CTGACCCCGGACCAAGTGGTGGCTATCGCCAGCAACAATGGCGGCAAGCAAGCGCTCGAAACGGTGCAGCGGCTGTTGCCGGTGCTGTGCCAGGACCATGGC</a:t>
+            </a:r>
+          </a:p>
+          <a:p>
+            <a:pPr marL="0" indent="0">
+              <a:buNone/>
+            </a:pPr>
+            <a:r>
+              <a:rPr kumimoji="1" lang="en-US" altLang="zh-CN" dirty="0" smtClean="0"/>
+              <a:t>CTGACCCCGGACCAAGTGGTGGCTATCGCCAGCAACATTGGCGGCAAGCAAGCGCTCGAAACGGTGCAGCGGCTGTTGCCGGTGCTGTGCCAGGACCATGGC</a:t>
+            </a:r>
+          </a:p>
+          <a:p>
+            <a:pPr marL="0" indent="0">
+              <a:buNone/>
+            </a:pPr>
+            <a:r>
+              <a:rPr kumimoji="1" lang="en-US" altLang="zh-CN" dirty="0" smtClean="0"/>
+              <a:t>CTGACCCCGGACCAAGTGGTGGCTATCGCCAGCAACATTGGCGGCAAGCAAGCGCTCGAAACGGTGCAGCGGCTGTTGCCGGTGCTGTGCCAGGACCATGGC</a:t>
+            </a:r>
+          </a:p>
+          <a:p>
+            <a:pPr marL="0" indent="0">
+              <a:buNone/>
+            </a:pPr>
+            <a:r>
+              <a:rPr kumimoji="1" lang="en-US" altLang="zh-CN" dirty="0" smtClean="0"/>
+              <a:t>CTGACTCCGGACCAAGTGGTGGCTATCGCCAGCCACGATGGCGGCAAGCAAGCGCTCGAAACGGTGCAGCGGCTGTTGCCGGTGCTGTGCCAGGACCATGGC</a:t>
+            </a:r>
+          </a:p>
+          <a:p>
+            <a:pPr marL="0" indent="0">
+              <a:buNone/>
+            </a:pPr>
+            <a:r>
+              <a:rPr kumimoji="1" lang="en-US" altLang="zh-CN" dirty="0" smtClean="0"/>
+              <a:t>CTGACCCCGGACCAAGTGGTGGCTATCGCCAGCAACATTGGCGGCAAGCAAGCGCTCGAAACGGTGCAGCGGCTGTTGCCGGTGCTGTGCCAGGACCATGGC</a:t>
+            </a:r>
+          </a:p>
+          <a:p>
+            <a:pPr marL="0" indent="0">
+              <a:buNone/>
+            </a:pPr>
+            <a:r>
+              <a:rPr kumimoji="1" lang="en-US" altLang="zh-CN" dirty="0" smtClean="0"/>
+              <a:t>CTGACCCCGGACCAAGTGGTGGCTATCGCCAGCAACGGTGGCGGCAAGCAAGCGCTCGAAACGGTGCAGCGGCTGTTGCCGGTGCTGTGCCAGGACCATGGC</a:t>
+            </a:r>
+          </a:p>
+          <a:p>
+            <a:pPr marL="0" indent="0">
+              <a:buNone/>
+            </a:pPr>
+            <a:r>
+              <a:rPr kumimoji="1" lang="en-US" altLang="zh-CN" dirty="0" smtClean="0"/>
+              <a:t>CTGACCCCGGACCAAGTGGTGGCTATCGCCAGCAACAATGGCGGCAAGCAAGCGCTCGAAACGGTGCAGCGGCTGTTGCCGGTGCTGTGCCAGGACCATGGC</a:t>
+            </a:r>
+          </a:p>
+          <a:p>
+            <a:pPr marL="0" indent="0">
+              <a:buNone/>
+            </a:pPr>
+            <a:r>
+              <a:rPr kumimoji="1" lang="en-US" altLang="zh-CN" dirty="0" smtClean="0"/>
+              <a:t>CTGACCCCGGACCAAGTGGTGGCTATCGCCAGCAACGGTGGCGGCAAGCAAGCGCTCGAAACGGTGCAGCGGCTGTTGCCGGTGCTGTGCCAGGACCATGGC</a:t>
+            </a:r>
+          </a:p>
+          <a:p>
+            <a:pPr marL="0" indent="0">
+              <a:buNone/>
+            </a:pPr>
+            <a:r>
+              <a:rPr kumimoji="1" lang="en-US" altLang="zh-CN" dirty="0" smtClean="0"/>
+              <a:t>CTGACCCCGGACCAAGTGGTGGCTATCGCCAGCAACGGTGGCGGCAAGCAAGCGCTCGAAAGCATTGTGGCCCAGCTGAGCCGGCCTGATCCGGCGTTGGCCGCGTTGACC</a:t>
+            </a:r>
+            <a:endParaRPr kumimoji="1" lang="zh-CN" altLang="en-US" dirty="0"/>
+          </a:p>
+        </p:txBody>
+      </p:sp>
+    </p:spTree>
+    <p:extLst>
+      <p:ext uri="{BB962C8B-B14F-4D97-AF65-F5344CB8AC3E}">
+        <p14:creationId xmlns:p14="http://schemas.microsoft.com/office/powerpoint/2010/main" val="404171658"/>
+      </p:ext>
+    </p:extLst>
+  </p:cSld>
+  <p:clrMapOvr>
+    <a:masterClrMapping/>
+  </p:clrMapOvr>
+</p:sld>
+</file>
+
+<file path=ppt/slides/slide3.xml><?xml version="1.0" encoding="utf-8"?>
+<p:sld xmlns:a="http://schemas.openxmlformats.org/drawingml/2006/main" xmlns:r="http://schemas.openxmlformats.org/officeDocument/2006/relationships" xmlns:p="http://schemas.openxmlformats.org/presentationml/2006/main">
+  <p:cSld>
+    <p:spTree>
+      <p:nvGrpSpPr>
+        <p:cNvPr id="1" name=""/>
+        <p:cNvGrpSpPr/>
+        <p:nvPr/>
+      </p:nvGrpSpPr>
+      <p:grpSpPr>
+        <a:xfrm>
+          <a:off x="0" y="0"/>
+          <a:ext cx="0" cy="0"/>
+          <a:chOff x="0" y="0"/>
+          <a:chExt cx="0" cy="0"/>
+        </a:xfrm>
+      </p:grpSpPr>
+      <p:sp>
+        <p:nvSpPr>
+          <p:cNvPr id="2" name="标题 1"/>
+          <p:cNvSpPr>
+            <a:spLocks noGrp="1"/>
+          </p:cNvSpPr>
+          <p:nvPr>
+            <p:ph type="title"/>
+          </p:nvPr>
+        </p:nvSpPr>
+        <p:spPr/>
+        <p:txBody>
+          <a:bodyPr/>
+          <a:lstStyle/>
+          <a:p>
+            <a:endParaRPr kumimoji="1" lang="zh-CN" altLang="en-US" dirty="0"/>
+          </a:p>
+        </p:txBody>
+      </p:sp>
+      <p:sp>
+        <p:nvSpPr>
+          <p:cNvPr id="3" name="内容占位符 2"/>
+          <p:cNvSpPr>
+            <a:spLocks noGrp="1"/>
+          </p:cNvSpPr>
+          <p:nvPr>
+            <p:ph idx="1"/>
+          </p:nvPr>
+        </p:nvSpPr>
+        <p:spPr/>
+        <p:txBody>
+          <a:bodyPr>
+            <a:normAutofit fontScale="47500" lnSpcReduction="20000"/>
+          </a:bodyPr>
+          <a:lstStyle/>
+          <a:p>
+            <a:pPr marL="0" indent="0">
+              <a:buNone/>
+            </a:pPr>
+            <a:r>
+              <a:rPr kumimoji="1" lang="en-US" altLang="zh-CN" dirty="0" err="1" smtClean="0"/>
+              <a:t>ltpdqvvaiashdggkqaletvqrllpvlcqdhg</a:t>
+            </a:r>
+            <a:endParaRPr kumimoji="1" lang="en-US" altLang="zh-CN" dirty="0" smtClean="0"/>
+          </a:p>
+          <a:p>
+            <a:pPr marL="0" indent="0">
+              <a:buNone/>
+            </a:pPr>
+            <a:r>
+              <a:rPr kumimoji="1" lang="en-US" altLang="zh-CN" dirty="0" err="1" smtClean="0"/>
+              <a:t>ltpdqvvaiashdggkqaletvqrllpvlcqdhg</a:t>
+            </a:r>
+            <a:endParaRPr kumimoji="1" lang="en-US" altLang="zh-CN" dirty="0" smtClean="0"/>
+          </a:p>
+          <a:p>
+            <a:pPr marL="0" indent="0">
+              <a:buNone/>
+            </a:pPr>
+            <a:r>
+              <a:rPr kumimoji="1" lang="en-US" altLang="zh-CN" dirty="0" err="1" smtClean="0"/>
+              <a:t>ltpdqvvaiasngggkqaletvqrllpvlcqdhg</a:t>
+            </a:r>
+            <a:endParaRPr kumimoji="1" lang="en-US" altLang="zh-CN" dirty="0" smtClean="0"/>
+          </a:p>
+          <a:p>
+            <a:pPr marL="0" indent="0">
+              <a:buNone/>
+            </a:pPr>
+            <a:r>
+              <a:rPr kumimoji="1" lang="en-US" altLang="zh-CN" dirty="0" err="1" smtClean="0"/>
+              <a:t>ltpdqvvaiashdggkqaletvqrllpvlcqdhg</a:t>
+            </a:r>
+            <a:endParaRPr kumimoji="1" lang="en-US" altLang="zh-CN" dirty="0" smtClean="0"/>
+          </a:p>
+          <a:p>
+            <a:pPr marL="0" indent="0">
+              <a:buNone/>
+            </a:pPr>
+            <a:r>
+              <a:rPr kumimoji="1" lang="en-US" altLang="zh-CN" dirty="0" err="1" smtClean="0"/>
+              <a:t>ltpdqvvaiasniggkqaletvqrllpvlcqdhg</a:t>
+            </a:r>
+            <a:endParaRPr kumimoji="1" lang="en-US" altLang="zh-CN" dirty="0" smtClean="0"/>
+          </a:p>
+          <a:p>
+            <a:pPr marL="0" indent="0">
+              <a:buNone/>
+            </a:pPr>
+            <a:r>
+              <a:rPr kumimoji="1" lang="en-US" altLang="zh-CN" dirty="0" err="1" smtClean="0"/>
+              <a:t>ltpdqvvaiasngggkqaletvqrllpvlcqdhg</a:t>
+            </a:r>
+            <a:endParaRPr kumimoji="1" lang="en-US" altLang="zh-CN" dirty="0" smtClean="0"/>
+          </a:p>
+          <a:p>
+            <a:pPr marL="0" indent="0">
+              <a:buNone/>
+            </a:pPr>
+            <a:r>
+              <a:rPr kumimoji="1" lang="en-US" altLang="zh-CN" dirty="0" err="1" smtClean="0"/>
+              <a:t>ltpdqvvaiashdggkqaletvqrllpvlcqdhg</a:t>
+            </a:r>
+            <a:endParaRPr kumimoji="1" lang="en-US" altLang="zh-CN" dirty="0" smtClean="0"/>
+          </a:p>
+          <a:p>
+            <a:pPr marL="0" indent="0">
+              <a:buNone/>
+            </a:pPr>
+            <a:r>
+              <a:rPr kumimoji="1" lang="en-US" altLang="zh-CN" dirty="0" err="1" smtClean="0"/>
+              <a:t>ltpdqvvaiasniggkqaletvqrllpvlcqdhg</a:t>
+            </a:r>
+            <a:endParaRPr kumimoji="1" lang="en-US" altLang="zh-CN" dirty="0" smtClean="0"/>
+          </a:p>
+          <a:p>
+            <a:pPr marL="0" indent="0">
+              <a:buNone/>
+            </a:pPr>
+            <a:r>
+              <a:rPr kumimoji="1" lang="en-US" altLang="zh-CN" dirty="0" err="1" smtClean="0"/>
+              <a:t>ltpdqvvaiasnnggkqaletvqrllpvlcqdhg</a:t>
+            </a:r>
+            <a:endParaRPr kumimoji="1" lang="en-US" altLang="zh-CN" dirty="0" smtClean="0"/>
+          </a:p>
+          <a:p>
+            <a:pPr marL="0" indent="0">
+              <a:buNone/>
+            </a:pPr>
+            <a:r>
+              <a:rPr kumimoji="1" lang="en-US" altLang="zh-CN" dirty="0" err="1" smtClean="0"/>
+              <a:t>ltpdqvvaiasnnggkqaletvqrllpvlcqdhg</a:t>
+            </a:r>
+            <a:endParaRPr kumimoji="1" lang="en-US" altLang="zh-CN" dirty="0" smtClean="0"/>
+          </a:p>
+          <a:p>
+            <a:pPr marL="0" indent="0">
+              <a:buNone/>
+            </a:pPr>
+            <a:r>
+              <a:rPr kumimoji="1" lang="en-US" altLang="zh-CN" dirty="0" err="1" smtClean="0"/>
+              <a:t>ltpdqvvaiasniggkqaletvqrllpvlcqdhg</a:t>
+            </a:r>
+            <a:endParaRPr kumimoji="1" lang="en-US" altLang="zh-CN" dirty="0" smtClean="0"/>
+          </a:p>
+          <a:p>
+            <a:pPr marL="0" indent="0">
+              <a:buNone/>
+            </a:pPr>
+            <a:r>
+              <a:rPr kumimoji="1" lang="en-US" altLang="zh-CN" dirty="0" err="1" smtClean="0"/>
+              <a:t>ltpdqvvaiasniggkqaletvqrllpvlcqdhg</a:t>
+            </a:r>
+            <a:endParaRPr kumimoji="1" lang="en-US" altLang="zh-CN" dirty="0" smtClean="0"/>
+          </a:p>
+          <a:p>
+            <a:pPr marL="0" indent="0">
+              <a:buNone/>
+            </a:pPr>
+            <a:r>
+              <a:rPr kumimoji="1" lang="en-US" altLang="zh-CN" dirty="0" err="1" smtClean="0"/>
+              <a:t>ltpdqvvaiashdggkqaletvqrllpvlcqdhg</a:t>
+            </a:r>
+            <a:endParaRPr kumimoji="1" lang="en-US" altLang="zh-CN" dirty="0" smtClean="0"/>
+          </a:p>
+          <a:p>
+            <a:pPr marL="0" indent="0">
+              <a:buNone/>
+            </a:pPr>
+            <a:r>
+              <a:rPr kumimoji="1" lang="en-US" altLang="zh-CN" dirty="0" err="1" smtClean="0"/>
+              <a:t>ltpdqvvaiasniggkqaletvqrllpvlcqdhg</a:t>
+            </a:r>
+            <a:endParaRPr kumimoji="1" lang="en-US" altLang="zh-CN" dirty="0" smtClean="0"/>
+          </a:p>
+          <a:p>
+            <a:pPr marL="0" indent="0">
+              <a:buNone/>
+            </a:pPr>
+            <a:r>
+              <a:rPr kumimoji="1" lang="en-US" altLang="zh-CN" dirty="0" err="1" smtClean="0"/>
+              <a:t>ltpdqvvaiasngggkqaletvqrllpvlcqdhg</a:t>
+            </a:r>
+            <a:endParaRPr kumimoji="1" lang="en-US" altLang="zh-CN" dirty="0" smtClean="0"/>
+          </a:p>
+          <a:p>
+            <a:pPr marL="0" indent="0">
+              <a:buNone/>
+            </a:pPr>
+            <a:r>
+              <a:rPr kumimoji="1" lang="en-US" altLang="zh-CN" dirty="0" err="1" smtClean="0"/>
+              <a:t>ltpdqvvaiasnnggkqaletvqrllpvlcqdhg</a:t>
+            </a:r>
+            <a:endParaRPr kumimoji="1" lang="en-US" altLang="zh-CN" dirty="0" smtClean="0"/>
+          </a:p>
+          <a:p>
+            <a:pPr marL="0" indent="0">
+              <a:buNone/>
+            </a:pPr>
+            <a:r>
+              <a:rPr kumimoji="1" lang="en-US" altLang="zh-CN" dirty="0" err="1" smtClean="0"/>
+              <a:t>ltpdqvvaiasngggkqaletvqrllpvlcqdhg</a:t>
+            </a:r>
+            <a:endParaRPr kumimoji="1" lang="en-US" altLang="zh-CN" dirty="0" smtClean="0"/>
+          </a:p>
+          <a:p>
+            <a:pPr marL="0" indent="0">
+              <a:buNone/>
+            </a:pPr>
+            <a:endParaRPr kumimoji="1" lang="zh-CN" altLang="en-US" dirty="0"/>
+          </a:p>
+        </p:txBody>
+      </p:sp>
+    </p:spTree>
+    <p:extLst>
+      <p:ext uri="{BB962C8B-B14F-4D97-AF65-F5344CB8AC3E}">
+        <p14:creationId xmlns:p14="http://schemas.microsoft.com/office/powerpoint/2010/main" val="1542204917"/>
+      </p:ext>
+    </p:extLst>
+  </p:cSld>
+  <p:clrMapOvr>
+    <a:masterClrMapping/>
+  </p:clrMapOvr>
+</p:sld>
+</file>
+
+<file path=ppt/slides/slide4.xml><?xml version="1.0" encoding="utf-8"?>
+<p:sld xmlns:a="http://schemas.openxmlformats.org/drawingml/2006/main" xmlns:r="http://schemas.openxmlformats.org/officeDocument/2006/relationships" xmlns:p="http://schemas.openxmlformats.org/presentationml/2006/main">
+  <p:cSld>
+    <p:spTree>
+      <p:nvGrpSpPr>
+        <p:cNvPr id="1" name=""/>
+        <p:cNvGrpSpPr/>
+        <p:nvPr/>
+      </p:nvGrpSpPr>
+      <p:grpSpPr>
+        <a:xfrm>
+          <a:off x="0" y="0"/>
+          <a:ext cx="0" cy="0"/>
+          <a:chOff x="0" y="0"/>
+          <a:chExt cx="0" cy="0"/>
+        </a:xfrm>
+      </p:grpSpPr>
+      <p:sp>
+        <p:nvSpPr>
+          <p:cNvPr id="2" name="标题 1"/>
+          <p:cNvSpPr>
+            <a:spLocks noGrp="1"/>
+          </p:cNvSpPr>
+          <p:nvPr>
+            <p:ph type="title"/>
+          </p:nvPr>
+        </p:nvSpPr>
+        <p:spPr/>
+        <p:txBody>
+          <a:bodyPr/>
+          <a:lstStyle/>
+          <a:p>
+            <a:r>
+              <a:rPr kumimoji="1" lang="en-US" altLang="zh-CN" dirty="0" smtClean="0"/>
+              <a:t>RVD</a:t>
+            </a:r>
+            <a:r>
+              <a:rPr kumimoji="1" lang="en-US" altLang="zh-CN" dirty="0" smtClean="0"/>
+              <a:t> and target DNA Sequence</a:t>
+            </a:r>
+            <a:endParaRPr kumimoji="1" lang="zh-CN" altLang="en-US" dirty="0"/>
+          </a:p>
+        </p:txBody>
+      </p:sp>
+      <p:sp>
+        <p:nvSpPr>
+          <p:cNvPr id="3" name="内容占位符 2"/>
+          <p:cNvSpPr>
+            <a:spLocks noGrp="1"/>
+          </p:cNvSpPr>
+          <p:nvPr>
+            <p:ph idx="1"/>
+          </p:nvPr>
+        </p:nvSpPr>
+        <p:spPr/>
+        <p:txBody>
+          <a:bodyPr/>
+          <a:lstStyle/>
+          <a:p>
+            <a:r>
+              <a:rPr kumimoji="1" lang="en-US" altLang="zh-CN" dirty="0" err="1" smtClean="0"/>
+              <a:t>hd</a:t>
+            </a:r>
+            <a:r>
+              <a:rPr kumimoji="1" lang="en-US" altLang="zh-CN" dirty="0" smtClean="0"/>
+              <a:t> </a:t>
+            </a:r>
+            <a:r>
+              <a:rPr kumimoji="1" lang="en-US" altLang="zh-CN" dirty="0" err="1" smtClean="0"/>
+              <a:t>hd</a:t>
+            </a:r>
+            <a:r>
+              <a:rPr kumimoji="1" lang="en-US" altLang="zh-CN" dirty="0" smtClean="0"/>
+              <a:t> </a:t>
+            </a:r>
+            <a:r>
+              <a:rPr kumimoji="1" lang="en-US" altLang="zh-CN" dirty="0" err="1" smtClean="0"/>
+              <a:t>ng</a:t>
+            </a:r>
+            <a:r>
+              <a:rPr kumimoji="1" lang="en-US" altLang="zh-CN" dirty="0" smtClean="0"/>
+              <a:t> </a:t>
+            </a:r>
+            <a:r>
+              <a:rPr kumimoji="1" lang="en-US" altLang="zh-CN" dirty="0" err="1" smtClean="0"/>
+              <a:t>hd</a:t>
+            </a:r>
+            <a:r>
+              <a:rPr kumimoji="1" lang="en-US" altLang="zh-CN" dirty="0" smtClean="0"/>
+              <a:t> </a:t>
+            </a:r>
+            <a:r>
+              <a:rPr kumimoji="1" lang="en-US" altLang="zh-CN" dirty="0" err="1" smtClean="0"/>
+              <a:t>ni</a:t>
+            </a:r>
+            <a:r>
+              <a:rPr kumimoji="1" lang="en-US" altLang="zh-CN" dirty="0" smtClean="0"/>
+              <a:t> </a:t>
+            </a:r>
+            <a:r>
+              <a:rPr kumimoji="1" lang="en-US" altLang="zh-CN" dirty="0" err="1" smtClean="0"/>
+              <a:t>ng</a:t>
+            </a:r>
+            <a:r>
+              <a:rPr kumimoji="1" lang="en-US" altLang="zh-CN" dirty="0" smtClean="0"/>
+              <a:t> </a:t>
+            </a:r>
+            <a:r>
+              <a:rPr kumimoji="1" lang="en-US" altLang="zh-CN" dirty="0" err="1" smtClean="0"/>
+              <a:t>hd</a:t>
+            </a:r>
+            <a:r>
+              <a:rPr kumimoji="1" lang="en-US" altLang="zh-CN" dirty="0" smtClean="0"/>
+              <a:t> </a:t>
+            </a:r>
+            <a:r>
+              <a:rPr kumimoji="1" lang="en-US" altLang="zh-CN" dirty="0" err="1" smtClean="0"/>
+              <a:t>ni</a:t>
+            </a:r>
+            <a:r>
+              <a:rPr kumimoji="1" lang="en-US" altLang="zh-CN" dirty="0" smtClean="0"/>
+              <a:t> </a:t>
+            </a:r>
+            <a:r>
+              <a:rPr kumimoji="1" lang="en-US" altLang="zh-CN" dirty="0" err="1" smtClean="0"/>
+              <a:t>nn</a:t>
+            </a:r>
+            <a:r>
+              <a:rPr kumimoji="1" lang="en-US" altLang="zh-CN" dirty="0" smtClean="0"/>
+              <a:t> </a:t>
+            </a:r>
+            <a:r>
+              <a:rPr kumimoji="1" lang="en-US" altLang="zh-CN" dirty="0" err="1" smtClean="0"/>
+              <a:t>nn</a:t>
+            </a:r>
+            <a:r>
+              <a:rPr kumimoji="1" lang="en-US" altLang="zh-CN" dirty="0" smtClean="0"/>
+              <a:t> </a:t>
+            </a:r>
+            <a:r>
+              <a:rPr kumimoji="1" lang="en-US" altLang="zh-CN" dirty="0" err="1" smtClean="0"/>
+              <a:t>ni</a:t>
+            </a:r>
+            <a:r>
+              <a:rPr kumimoji="1" lang="en-US" altLang="zh-CN" dirty="0" smtClean="0"/>
+              <a:t> </a:t>
+            </a:r>
+            <a:r>
+              <a:rPr kumimoji="1" lang="en-US" altLang="zh-CN" dirty="0" err="1" smtClean="0"/>
+              <a:t>ni</a:t>
+            </a:r>
+            <a:r>
+              <a:rPr kumimoji="1" lang="en-US" altLang="zh-CN" dirty="0" smtClean="0"/>
+              <a:t> </a:t>
+            </a:r>
+            <a:r>
+              <a:rPr kumimoji="1" lang="en-US" altLang="zh-CN" dirty="0" err="1" smtClean="0"/>
+              <a:t>hd</a:t>
+            </a:r>
+            <a:r>
+              <a:rPr kumimoji="1" lang="en-US" altLang="zh-CN" dirty="0" smtClean="0"/>
+              <a:t> </a:t>
+            </a:r>
+            <a:r>
+              <a:rPr kumimoji="1" lang="en-US" altLang="zh-CN" dirty="0" err="1" smtClean="0"/>
+              <a:t>ni</a:t>
+            </a:r>
+            <a:r>
+              <a:rPr kumimoji="1" lang="en-US" altLang="zh-CN" dirty="0" smtClean="0"/>
+              <a:t> </a:t>
+            </a:r>
+            <a:r>
+              <a:rPr kumimoji="1" lang="en-US" altLang="zh-CN" dirty="0" err="1" smtClean="0"/>
+              <a:t>ng</a:t>
+            </a:r>
+            <a:r>
+              <a:rPr kumimoji="1" lang="en-US" altLang="zh-CN" dirty="0" smtClean="0"/>
+              <a:t> </a:t>
+            </a:r>
+            <a:r>
+              <a:rPr kumimoji="1" lang="en-US" altLang="zh-CN" dirty="0" err="1" smtClean="0"/>
+              <a:t>nn</a:t>
+            </a:r>
+            <a:r>
+              <a:rPr kumimoji="1" lang="en-US" altLang="zh-CN" dirty="0" smtClean="0"/>
+              <a:t> </a:t>
+            </a:r>
+            <a:r>
+              <a:rPr kumimoji="1" lang="en-US" altLang="zh-CN" dirty="0" err="1" smtClean="0"/>
+              <a:t>ng</a:t>
+            </a:r>
+            <a:r>
+              <a:rPr kumimoji="1" lang="en-US" altLang="zh-CN" dirty="0" smtClean="0"/>
+              <a:t> </a:t>
+            </a:r>
+          </a:p>
+          <a:p>
+            <a:r>
+              <a:rPr kumimoji="1" lang="en-US" altLang="zh-CN" dirty="0" smtClean="0"/>
+              <a:t>CCTCATCAGGAACATGT</a:t>
+            </a:r>
+            <a:endParaRPr kumimoji="1" lang="zh-CN" altLang="en-US" dirty="0"/>
+          </a:p>
+        </p:txBody>
+      </p:sp>
+    </p:spTree>
+    <p:extLst>
+      <p:ext uri="{BB962C8B-B14F-4D97-AF65-F5344CB8AC3E}">
+        <p14:creationId xmlns:p14="http://schemas.microsoft.com/office/powerpoint/2010/main" val="3816480572"/>
+      </p:ext>
+    </p:extLst>
+  </p:cSld>
+  <p:clrMapOvr>
+    <a:masterClrMapping/>
+  </p:clrMapOvr>
+</p:sld>
+</file>
+
+<file path=ppt/slides/slide5.xml><?xml version="1.0" encoding="utf-8"?>
+<p:sld xmlns:a="http://schemas.openxmlformats.org/drawingml/2006/main" xmlns:r="http://schemas.openxmlformats.org/officeDocument/2006/relationships" xmlns:p="http://schemas.openxmlformats.org/presentationml/2006/main">
+  <p:cSld>
+    <p:spTree>
+      <p:nvGrpSpPr>
+        <p:cNvPr id="1" name=""/>
+        <p:cNvGrpSpPr/>
+        <p:nvPr/>
+      </p:nvGrpSpPr>
+      <p:grpSpPr>
+        <a:xfrm>
+          <a:off x="0" y="0"/>
+          <a:ext cx="0" cy="0"/>
+          <a:chOff x="0" y="0"/>
+          <a:chExt cx="0" cy="0"/>
+        </a:xfrm>
+      </p:grpSpPr>
+      <p:sp>
+        <p:nvSpPr>
+          <p:cNvPr id="2" name="标题 1"/>
+          <p:cNvSpPr>
+            <a:spLocks noGrp="1"/>
+          </p:cNvSpPr>
+          <p:nvPr>
+            <p:ph type="title"/>
+          </p:nvPr>
+        </p:nvSpPr>
+        <p:spPr/>
+        <p:txBody>
+          <a:bodyPr/>
+          <a:lstStyle/>
+          <a:p>
+            <a:r>
+              <a:rPr kumimoji="1" lang="en-US" altLang="zh-CN" dirty="0" smtClean="0"/>
               <a:t>Algorithm</a:t>
             </a:r>
             <a:endParaRPr kumimoji="1" lang="zh-CN" altLang="en-US" dirty="0"/>
@@ -3359,7 +4446,7 @@
 </p:sld>
 </file>
 
-<file path=ppt/slides/slide3.xml><?xml version="1.0" encoding="utf-8"?>
+<file path=ppt/slides/slide6.xml><?xml version="1.0" encoding="utf-8"?>
 <p:sld xmlns:a="http://schemas.openxmlformats.org/drawingml/2006/main" xmlns:r="http://schemas.openxmlformats.org/officeDocument/2006/relationships" xmlns:p="http://schemas.openxmlformats.org/presentationml/2006/main">
   <p:cSld>
     <p:spTree>
@@ -3447,7 +4534,7 @@
 </p:sld>
 </file>
 
-<file path=ppt/slides/slide4.xml><?xml version="1.0" encoding="utf-8"?>
+<file path=ppt/slides/slide7.xml><?xml version="1.0" encoding="utf-8"?>
 <p:sld xmlns:a="http://schemas.openxmlformats.org/drawingml/2006/main" xmlns:r="http://schemas.openxmlformats.org/officeDocument/2006/relationships" xmlns:p="http://schemas.openxmlformats.org/presentationml/2006/main">
   <p:cSld>
     <p:spTree>
@@ -3563,7 +4650,7 @@
 </p:sld>
 </file>
 
-<file path=ppt/slides/slide5.xml><?xml version="1.0" encoding="utf-8"?>
+<file path=ppt/slides/slide8.xml><?xml version="1.0" encoding="utf-8"?>
 <p:sld xmlns:a="http://schemas.openxmlformats.org/drawingml/2006/main" xmlns:r="http://schemas.openxmlformats.org/officeDocument/2006/relationships" xmlns:p="http://schemas.openxmlformats.org/presentationml/2006/main">
   <p:cSld>
     <p:spTree>
@@ -3679,7 +4766,7 @@
 </p:sld>
 </file>
 
-<file path=ppt/slides/slide6.xml><?xml version="1.0" encoding="utf-8"?>
+<file path=ppt/slides/slide9.xml><?xml version="1.0" encoding="utf-8"?>
 <p:sld xmlns:a="http://schemas.openxmlformats.org/drawingml/2006/main" xmlns:r="http://schemas.openxmlformats.org/officeDocument/2006/relationships" xmlns:p="http://schemas.openxmlformats.org/presentationml/2006/main">
   <p:cSld>
     <p:spTree>
@@ -3822,6 +4909,13 @@
   <p:clrMapOvr>
     <a:masterClrMapping/>
   </p:clrMapOvr>
+  <p:timing>
+    <p:tnLst>
+      <p:par>
+        <p:cTn xmlns:p14="http://schemas.microsoft.com/office/powerpoint/2010/main" id="1" dur="indefinite" restart="never" nodeType="tmRoot"/>
+      </p:par>
+    </p:tnLst>
+  </p:timing>
 </p:sld>
 </file>
 
